--- a/docs/project_management/fachaustausch.pptx
+++ b/docs/project_management/fachaustausch.pptx
@@ -105,6 +105,11 @@
       </a:defRPr>
     </a:lvl9pPr>
   </p:defaultTextStyle>
+  <p:extLst>
+    <p:ext uri="{EFAFB233-063F-42B5-8137-9DF3F51BA10A}">
+      <p15:sldGuideLst xmlns:p15="http://schemas.microsoft.com/office/powerpoint/2012/main"/>
+    </p:ext>
+  </p:extLst>
 </p:presentation>
 </file>
 
@@ -255,7 +260,7 @@
           <a:p>
             <a:fld id="{93A209A4-E9BB-42CF-884E-2D1A7F5E77DD}" type="datetimeFigureOut">
               <a:rPr lang="de-DE" smtClean="0"/>
-              <a:t>30.04.2021</a:t>
+              <a:t>02.05.2021</a:t>
             </a:fld>
             <a:endParaRPr lang="de-DE"/>
           </a:p>
@@ -453,7 +458,7 @@
           <a:p>
             <a:fld id="{93A209A4-E9BB-42CF-884E-2D1A7F5E77DD}" type="datetimeFigureOut">
               <a:rPr lang="de-DE" smtClean="0"/>
-              <a:t>30.04.2021</a:t>
+              <a:t>02.05.2021</a:t>
             </a:fld>
             <a:endParaRPr lang="de-DE"/>
           </a:p>
@@ -661,7 +666,7 @@
           <a:p>
             <a:fld id="{93A209A4-E9BB-42CF-884E-2D1A7F5E77DD}" type="datetimeFigureOut">
               <a:rPr lang="de-DE" smtClean="0"/>
-              <a:t>30.04.2021</a:t>
+              <a:t>02.05.2021</a:t>
             </a:fld>
             <a:endParaRPr lang="de-DE"/>
           </a:p>
@@ -859,7 +864,7 @@
           <a:p>
             <a:fld id="{93A209A4-E9BB-42CF-884E-2D1A7F5E77DD}" type="datetimeFigureOut">
               <a:rPr lang="de-DE" smtClean="0"/>
-              <a:t>30.04.2021</a:t>
+              <a:t>02.05.2021</a:t>
             </a:fld>
             <a:endParaRPr lang="de-DE"/>
           </a:p>
@@ -1134,7 +1139,7 @@
           <a:p>
             <a:fld id="{93A209A4-E9BB-42CF-884E-2D1A7F5E77DD}" type="datetimeFigureOut">
               <a:rPr lang="de-DE" smtClean="0"/>
-              <a:t>30.04.2021</a:t>
+              <a:t>02.05.2021</a:t>
             </a:fld>
             <a:endParaRPr lang="de-DE"/>
           </a:p>
@@ -1399,7 +1404,7 @@
           <a:p>
             <a:fld id="{93A209A4-E9BB-42CF-884E-2D1A7F5E77DD}" type="datetimeFigureOut">
               <a:rPr lang="de-DE" smtClean="0"/>
-              <a:t>30.04.2021</a:t>
+              <a:t>02.05.2021</a:t>
             </a:fld>
             <a:endParaRPr lang="de-DE"/>
           </a:p>
@@ -1811,7 +1816,7 @@
           <a:p>
             <a:fld id="{93A209A4-E9BB-42CF-884E-2D1A7F5E77DD}" type="datetimeFigureOut">
               <a:rPr lang="de-DE" smtClean="0"/>
-              <a:t>30.04.2021</a:t>
+              <a:t>02.05.2021</a:t>
             </a:fld>
             <a:endParaRPr lang="de-DE"/>
           </a:p>
@@ -1952,7 +1957,7 @@
           <a:p>
             <a:fld id="{93A209A4-E9BB-42CF-884E-2D1A7F5E77DD}" type="datetimeFigureOut">
               <a:rPr lang="de-DE" smtClean="0"/>
-              <a:t>30.04.2021</a:t>
+              <a:t>02.05.2021</a:t>
             </a:fld>
             <a:endParaRPr lang="de-DE"/>
           </a:p>
@@ -2065,7 +2070,7 @@
           <a:p>
             <a:fld id="{93A209A4-E9BB-42CF-884E-2D1A7F5E77DD}" type="datetimeFigureOut">
               <a:rPr lang="de-DE" smtClean="0"/>
-              <a:t>30.04.2021</a:t>
+              <a:t>02.05.2021</a:t>
             </a:fld>
             <a:endParaRPr lang="de-DE"/>
           </a:p>
@@ -2376,7 +2381,7 @@
           <a:p>
             <a:fld id="{93A209A4-E9BB-42CF-884E-2D1A7F5E77DD}" type="datetimeFigureOut">
               <a:rPr lang="de-DE" smtClean="0"/>
-              <a:t>30.04.2021</a:t>
+              <a:t>02.05.2021</a:t>
             </a:fld>
             <a:endParaRPr lang="de-DE"/>
           </a:p>
@@ -2664,7 +2669,7 @@
           <a:p>
             <a:fld id="{93A209A4-E9BB-42CF-884E-2D1A7F5E77DD}" type="datetimeFigureOut">
               <a:rPr lang="de-DE" smtClean="0"/>
-              <a:t>30.04.2021</a:t>
+              <a:t>02.05.2021</a:t>
             </a:fld>
             <a:endParaRPr lang="de-DE"/>
           </a:p>
@@ -2905,7 +2910,7 @@
           <a:p>
             <a:fld id="{93A209A4-E9BB-42CF-884E-2D1A7F5E77DD}" type="datetimeFigureOut">
               <a:rPr lang="de-DE" smtClean="0"/>
-              <a:t>30.04.2021</a:t>
+              <a:t>02.05.2021</a:t>
             </a:fld>
             <a:endParaRPr lang="de-DE"/>
           </a:p>
@@ -3337,7 +3342,7 @@
         <p:spPr>
           <a:xfrm>
             <a:off x="224589" y="192505"/>
-            <a:ext cx="11824071" cy="5447645"/>
+            <a:ext cx="11824071" cy="5724644"/>
           </a:xfrm>
           <a:prstGeom prst="rect">
             <a:avLst/>
@@ -3352,7 +3357,7 @@
           <a:p>
             <a:r>
               <a:rPr lang="de-DE" sz="2400" b="1" dirty="0"/>
-              <a:t>Fachaustausch Projektmanagement:</a:t>
+              <a:t>Fachaustausch Projektmanagement (Team E2 – Anwesenheitserfassung Modellflugplatz):</a:t>
             </a:r>
           </a:p>
           <a:p>
@@ -3667,6 +3672,21 @@
                 <a:sym typeface="Wingdings" panose="05000000000000000000" pitchFamily="2" charset="2"/>
               </a:rPr>
               <a:t>allgemeines Planen und Denken in Iterationen</a:t>
+            </a:r>
+          </a:p>
+          <a:p>
+            <a:pPr marL="342900" indent="-342900">
+              <a:buFont typeface="Arial" panose="020B0604020202020204" pitchFamily="34" charset="0"/>
+              <a:buChar char="•"/>
+            </a:pPr>
+            <a:r>
+              <a:rPr lang="de-DE" dirty="0">
+                <a:latin typeface="Calibri" panose="020F0502020204030204" pitchFamily="34" charset="0"/>
+                <a:ea typeface="Yu Gothic" panose="020B0400000000000000" pitchFamily="34" charset="-128"/>
+                <a:cs typeface="Times New Roman" panose="02020603050405020304" pitchFamily="18" charset="0"/>
+                <a:sym typeface="Wingdings" panose="05000000000000000000" pitchFamily="2" charset="2"/>
+              </a:rPr>
+              <a:t>Kommunikationsschwierigkeiten mit den Themenstellern</a:t>
             </a:r>
           </a:p>
         </p:txBody>
@@ -3716,7 +3736,7 @@
         <p:spPr>
           <a:xfrm>
             <a:off x="154546" y="454018"/>
-            <a:ext cx="11758863" cy="1200329"/>
+            <a:ext cx="11758863" cy="1477328"/>
           </a:xfrm>
           <a:prstGeom prst="rect">
             <a:avLst/>
@@ -3765,6 +3785,20 @@
                 <a:cs typeface="Times New Roman" panose="02020603050405020304" pitchFamily="18" charset="0"/>
               </a:rPr>
               <a:t>unvorhergesehene Änderungswünsche von TS oder anderen Stakeholdern</a:t>
+            </a:r>
+          </a:p>
+          <a:p>
+            <a:pPr marL="742950" lvl="1" indent="-285750">
+              <a:buFont typeface="Arial" panose="020B0604020202020204" pitchFamily="34" charset="0"/>
+              <a:buChar char="•"/>
+            </a:pPr>
+            <a:r>
+              <a:rPr lang="de-DE" dirty="0">
+                <a:latin typeface="Calibri" panose="020F0502020204030204" pitchFamily="34" charset="0"/>
+                <a:ea typeface="Yu Gothic" panose="020B0400000000000000" pitchFamily="34" charset="-128"/>
+                <a:cs typeface="Times New Roman" panose="02020603050405020304" pitchFamily="18" charset="0"/>
+              </a:rPr>
+              <a:t>Vorabüberlegungen und rechtzeitige Kommunikation zur Verhinderung des Eintretens von Problemen</a:t>
             </a:r>
           </a:p>
           <a:p>
